--- a/ASPNETCOREIDENTITY.pptx
+++ b/ASPNETCOREIDENTITY.pptx
@@ -7,16 +7,7 @@
   <p:sldIdLst>
     <p:sldId id="257" r:id="rId5"/>
     <p:sldId id="263" r:id="rId6"/>
-    <p:sldId id="259" r:id="rId7"/>
-    <p:sldId id="261" r:id="rId8"/>
-    <p:sldId id="260" r:id="rId9"/>
-    <p:sldId id="264" r:id="rId10"/>
-    <p:sldId id="265" r:id="rId11"/>
-    <p:sldId id="266" r:id="rId12"/>
-    <p:sldId id="267" r:id="rId13"/>
-    <p:sldId id="268" r:id="rId14"/>
-    <p:sldId id="269" r:id="rId15"/>
-    <p:sldId id="270" r:id="rId16"/>
+    <p:sldId id="264" r:id="rId7"/>
   </p:sldIdLst>
   <p:sldSz cx="12192000" cy="6858000"/>
   <p:notesSz cx="6858000" cy="9144000"/>
@@ -361,7 +352,7 @@
           <a:p>
             <a:fld id="{ED291B17-9318-49DB-B28B-6E5994AE9581}" type="datetime1">
               <a:rPr lang="en-US" smtClean="0"/>
-              <a:t>7/20/2022</a:t>
+              <a:t>8/5/2022</a:t>
             </a:fld>
             <a:endParaRPr lang="en-US" dirty="0"/>
           </a:p>
@@ -564,7 +555,7 @@
           <a:p>
             <a:fld id="{2CED4963-E985-44C4-B8C4-FDD613B7C2F8}" type="datetime1">
               <a:rPr lang="en-US" smtClean="0"/>
-              <a:t>7/20/2022</a:t>
+              <a:t>8/5/2022</a:t>
             </a:fld>
             <a:endParaRPr lang="en-US" dirty="0"/>
           </a:p>
@@ -926,7 +917,7 @@
           <a:p>
             <a:fld id="{ED291B17-9318-49DB-B28B-6E5994AE9581}" type="datetime1">
               <a:rPr lang="en-US" smtClean="0"/>
-              <a:t>7/20/2022</a:t>
+              <a:t>8/5/2022</a:t>
             </a:fld>
             <a:endParaRPr lang="en-US" dirty="0"/>
           </a:p>
@@ -1124,7 +1115,7 @@
           <a:p>
             <a:fld id="{78DD82B9-B8EE-4375-B6FF-88FA6ABB15D9}" type="datetime1">
               <a:rPr lang="en-US" smtClean="0"/>
-              <a:t>7/20/2022</a:t>
+              <a:t>8/5/2022</a:t>
             </a:fld>
             <a:endParaRPr lang="en-US" dirty="0"/>
           </a:p>
@@ -1436,7 +1427,7 @@
           <a:p>
             <a:fld id="{B2497495-0637-405E-AE64-5CC7506D51F5}" type="datetime1">
               <a:rPr lang="en-US" smtClean="0"/>
-              <a:t>7/20/2022</a:t>
+              <a:t>8/5/2022</a:t>
             </a:fld>
             <a:endParaRPr lang="en-US" dirty="0"/>
           </a:p>
@@ -1689,7 +1680,7 @@
           <a:p>
             <a:fld id="{7BFFD690-9426-415D-8B65-26881E07B2D4}" type="datetime1">
               <a:rPr lang="en-US" smtClean="0"/>
-              <a:t>7/20/2022</a:t>
+              <a:t>8/5/2022</a:t>
             </a:fld>
             <a:endParaRPr lang="en-US" dirty="0"/>
           </a:p>
@@ -2111,7 +2102,7 @@
           <a:p>
             <a:fld id="{04C4989A-474C-40DE-95B9-011C28B71673}" type="datetime1">
               <a:rPr lang="en-US" smtClean="0"/>
-              <a:t>7/20/2022</a:t>
+              <a:t>8/5/2022</a:t>
             </a:fld>
             <a:endParaRPr lang="en-US" dirty="0"/>
           </a:p>
@@ -2234,7 +2225,7 @@
           <a:p>
             <a:fld id="{5DB4ED54-5B5E-4A04-93D3-5772E3CE3818}" type="datetime1">
               <a:rPr lang="en-US" smtClean="0"/>
-              <a:t>7/20/2022</a:t>
+              <a:t>8/5/2022</a:t>
             </a:fld>
             <a:endParaRPr lang="en-US" dirty="0"/>
           </a:p>
@@ -2329,7 +2320,7 @@
           <a:p>
             <a:fld id="{4EDE50D6-574B-40AF-946F-D52A04ADE379}" type="datetime1">
               <a:rPr lang="en-US" smtClean="0"/>
-              <a:t>7/20/2022</a:t>
+              <a:t>8/5/2022</a:t>
             </a:fld>
             <a:endParaRPr lang="en-US" dirty="0"/>
           </a:p>
@@ -2706,7 +2697,7 @@
           <a:p>
             <a:fld id="{D82884F1-FFEA-405F-9602-3DCA865EDA4E}" type="datetime1">
               <a:rPr lang="en-US" smtClean="0"/>
-              <a:t>7/20/2022</a:t>
+              <a:t>8/5/2022</a:t>
             </a:fld>
             <a:endParaRPr lang="en-US" dirty="0"/>
           </a:p>
@@ -2999,7 +2990,7 @@
           <a:p>
             <a:fld id="{7E18DB4A-8810-4A10-AD5C-D5E2C667F5B3}" type="datetime1">
               <a:rPr lang="en-US" smtClean="0"/>
-              <a:t>7/20/2022</a:t>
+              <a:t>8/5/2022</a:t>
             </a:fld>
             <a:endParaRPr lang="en-US" dirty="0"/>
           </a:p>
@@ -3214,7 +3205,7 @@
           <a:p>
             <a:fld id="{ED291B17-9318-49DB-B28B-6E5994AE9581}" type="datetime1">
               <a:rPr lang="en-US" smtClean="0"/>
-              <a:t>7/20/2022</a:t>
+              <a:t>8/5/2022</a:t>
             </a:fld>
             <a:endParaRPr lang="en-US" dirty="0"/>
           </a:p>
@@ -4194,289 +4185,6 @@
 </p:sld>
 </file>
 
-<file path=ppt/slides/slide10.xml><?xml version="1.0" encoding="utf-8"?>
-<p:sld xmlns:a="http://schemas.openxmlformats.org/drawingml/2006/main" xmlns:r="http://schemas.openxmlformats.org/officeDocument/2006/relationships" xmlns:p="http://schemas.openxmlformats.org/presentationml/2006/main">
-  <p:cSld>
-    <p:spTree>
-      <p:nvGrpSpPr>
-        <p:cNvPr id="1" name=""/>
-        <p:cNvGrpSpPr/>
-        <p:nvPr/>
-      </p:nvGrpSpPr>
-      <p:grpSpPr>
-        <a:xfrm>
-          <a:off x="0" y="0"/>
-          <a:ext cx="0" cy="0"/>
-          <a:chOff x="0" y="0"/>
-          <a:chExt cx="0" cy="0"/>
-        </a:xfrm>
-      </p:grpSpPr>
-      <p:sp>
-        <p:nvSpPr>
-          <p:cNvPr id="2" name="Title 1">
-            <a:extLst>
-              <a:ext uri="{FF2B5EF4-FFF2-40B4-BE49-F238E27FC236}">
-                <a16:creationId xmlns:a16="http://schemas.microsoft.com/office/drawing/2014/main" id="{813769E3-2964-4B0D-BA41-12C9D6D170EF}"/>
-              </a:ext>
-            </a:extLst>
-          </p:cNvPr>
-          <p:cNvSpPr>
-            <a:spLocks noGrp="1"/>
-          </p:cNvSpPr>
-          <p:nvPr>
-            <p:ph type="title"/>
-          </p:nvPr>
-        </p:nvSpPr>
-        <p:spPr>
-          <a:xfrm>
-            <a:off x="581192" y="702156"/>
-            <a:ext cx="11029616" cy="480930"/>
-          </a:xfrm>
-        </p:spPr>
-        <p:txBody>
-          <a:bodyPr>
-            <a:normAutofit fontScale="90000"/>
-          </a:bodyPr>
-          <a:lstStyle/>
-          <a:p>
-            <a:r>
-              <a:rPr lang="en-US" dirty="0"/>
-              <a:t>IDENTITY - 1</a:t>
-            </a:r>
-          </a:p>
-        </p:txBody>
-      </p:sp>
-      <p:pic>
-        <p:nvPicPr>
-          <p:cNvPr id="5" name="Picture 4">
-            <a:extLst>
-              <a:ext uri="{FF2B5EF4-FFF2-40B4-BE49-F238E27FC236}">
-                <a16:creationId xmlns:a16="http://schemas.microsoft.com/office/drawing/2014/main" id="{B1A2505E-50CE-4299-B513-F4554C616361}"/>
-              </a:ext>
-            </a:extLst>
-          </p:cNvPr>
-          <p:cNvPicPr>
-            <a:picLocks noChangeAspect="1"/>
-          </p:cNvPicPr>
-          <p:nvPr/>
-        </p:nvPicPr>
-        <p:blipFill>
-          <a:blip r:embed="rId2"/>
-          <a:stretch>
-            <a:fillRect/>
-          </a:stretch>
-        </p:blipFill>
-        <p:spPr>
-          <a:xfrm>
-            <a:off x="70133" y="1365100"/>
-            <a:ext cx="12051734" cy="5492900"/>
-          </a:xfrm>
-          <a:prstGeom prst="rect">
-            <a:avLst/>
-          </a:prstGeom>
-        </p:spPr>
-      </p:pic>
-    </p:spTree>
-    <p:extLst>
-      <p:ext uri="{BB962C8B-B14F-4D97-AF65-F5344CB8AC3E}">
-        <p14:creationId xmlns:p14="http://schemas.microsoft.com/office/powerpoint/2010/main" val="932141834"/>
-      </p:ext>
-    </p:extLst>
-  </p:cSld>
-  <p:clrMapOvr>
-    <a:masterClrMapping/>
-  </p:clrMapOvr>
-</p:sld>
-</file>
-
-<file path=ppt/slides/slide11.xml><?xml version="1.0" encoding="utf-8"?>
-<p:sld xmlns:a="http://schemas.openxmlformats.org/drawingml/2006/main" xmlns:r="http://schemas.openxmlformats.org/officeDocument/2006/relationships" xmlns:p="http://schemas.openxmlformats.org/presentationml/2006/main">
-  <p:cSld>
-    <p:spTree>
-      <p:nvGrpSpPr>
-        <p:cNvPr id="1" name=""/>
-        <p:cNvGrpSpPr/>
-        <p:nvPr/>
-      </p:nvGrpSpPr>
-      <p:grpSpPr>
-        <a:xfrm>
-          <a:off x="0" y="0"/>
-          <a:ext cx="0" cy="0"/>
-          <a:chOff x="0" y="0"/>
-          <a:chExt cx="0" cy="0"/>
-        </a:xfrm>
-      </p:grpSpPr>
-      <p:sp>
-        <p:nvSpPr>
-          <p:cNvPr id="2" name="Title 1">
-            <a:extLst>
-              <a:ext uri="{FF2B5EF4-FFF2-40B4-BE49-F238E27FC236}">
-                <a16:creationId xmlns:a16="http://schemas.microsoft.com/office/drawing/2014/main" id="{813769E3-2964-4B0D-BA41-12C9D6D170EF}"/>
-              </a:ext>
-            </a:extLst>
-          </p:cNvPr>
-          <p:cNvSpPr>
-            <a:spLocks noGrp="1"/>
-          </p:cNvSpPr>
-          <p:nvPr>
-            <p:ph type="title"/>
-          </p:nvPr>
-        </p:nvSpPr>
-        <p:spPr>
-          <a:xfrm>
-            <a:off x="581192" y="702156"/>
-            <a:ext cx="11029616" cy="480930"/>
-          </a:xfrm>
-        </p:spPr>
-        <p:txBody>
-          <a:bodyPr>
-            <a:normAutofit fontScale="90000"/>
-          </a:bodyPr>
-          <a:lstStyle/>
-          <a:p>
-            <a:r>
-              <a:rPr lang="en-US" dirty="0"/>
-              <a:t>IDENTITY - 2</a:t>
-            </a:r>
-          </a:p>
-        </p:txBody>
-      </p:sp>
-      <p:pic>
-        <p:nvPicPr>
-          <p:cNvPr id="7" name="Picture 6">
-            <a:extLst>
-              <a:ext uri="{FF2B5EF4-FFF2-40B4-BE49-F238E27FC236}">
-                <a16:creationId xmlns:a16="http://schemas.microsoft.com/office/drawing/2014/main" id="{371A0EF0-8998-4BD7-9963-441E8B49D322}"/>
-              </a:ext>
-            </a:extLst>
-          </p:cNvPr>
-          <p:cNvPicPr>
-            <a:picLocks noChangeAspect="1"/>
-          </p:cNvPicPr>
-          <p:nvPr/>
-        </p:nvPicPr>
-        <p:blipFill>
-          <a:blip r:embed="rId2"/>
-          <a:stretch>
-            <a:fillRect/>
-          </a:stretch>
-        </p:blipFill>
-        <p:spPr>
-          <a:xfrm>
-            <a:off x="0" y="1148416"/>
-            <a:ext cx="10365016" cy="5709583"/>
-          </a:xfrm>
-          <a:prstGeom prst="rect">
-            <a:avLst/>
-          </a:prstGeom>
-        </p:spPr>
-      </p:pic>
-    </p:spTree>
-    <p:extLst>
-      <p:ext uri="{BB962C8B-B14F-4D97-AF65-F5344CB8AC3E}">
-        <p14:creationId xmlns:p14="http://schemas.microsoft.com/office/powerpoint/2010/main" val="3376593591"/>
-      </p:ext>
-    </p:extLst>
-  </p:cSld>
-  <p:clrMapOvr>
-    <a:masterClrMapping/>
-  </p:clrMapOvr>
-</p:sld>
-</file>
-
-<file path=ppt/slides/slide12.xml><?xml version="1.0" encoding="utf-8"?>
-<p:sld xmlns:a="http://schemas.openxmlformats.org/drawingml/2006/main" xmlns:r="http://schemas.openxmlformats.org/officeDocument/2006/relationships" xmlns:p="http://schemas.openxmlformats.org/presentationml/2006/main">
-  <p:cSld>
-    <p:spTree>
-      <p:nvGrpSpPr>
-        <p:cNvPr id="1" name=""/>
-        <p:cNvGrpSpPr/>
-        <p:nvPr/>
-      </p:nvGrpSpPr>
-      <p:grpSpPr>
-        <a:xfrm>
-          <a:off x="0" y="0"/>
-          <a:ext cx="0" cy="0"/>
-          <a:chOff x="0" y="0"/>
-          <a:chExt cx="0" cy="0"/>
-        </a:xfrm>
-      </p:grpSpPr>
-      <p:sp>
-        <p:nvSpPr>
-          <p:cNvPr id="2" name="Title 1">
-            <a:extLst>
-              <a:ext uri="{FF2B5EF4-FFF2-40B4-BE49-F238E27FC236}">
-                <a16:creationId xmlns:a16="http://schemas.microsoft.com/office/drawing/2014/main" id="{0F293D55-2B84-4D79-981C-20E24B74B1B8}"/>
-              </a:ext>
-            </a:extLst>
-          </p:cNvPr>
-          <p:cNvSpPr>
-            <a:spLocks noGrp="1"/>
-          </p:cNvSpPr>
-          <p:nvPr>
-            <p:ph type="title"/>
-          </p:nvPr>
-        </p:nvSpPr>
-        <p:spPr>
-          <a:xfrm>
-            <a:off x="581192" y="702156"/>
-            <a:ext cx="11029616" cy="532934"/>
-          </a:xfrm>
-        </p:spPr>
-        <p:txBody>
-          <a:bodyPr/>
-          <a:lstStyle/>
-          <a:p>
-            <a:r>
-              <a:rPr lang="en-US" dirty="0"/>
-              <a:t>IDENTITY - 3</a:t>
-            </a:r>
-          </a:p>
-        </p:txBody>
-      </p:sp>
-      <p:pic>
-        <p:nvPicPr>
-          <p:cNvPr id="5" name="Picture 4">
-            <a:extLst>
-              <a:ext uri="{FF2B5EF4-FFF2-40B4-BE49-F238E27FC236}">
-                <a16:creationId xmlns:a16="http://schemas.microsoft.com/office/drawing/2014/main" id="{2F75E81A-D0E4-40B6-84ED-074981E21CE7}"/>
-              </a:ext>
-            </a:extLst>
-          </p:cNvPr>
-          <p:cNvPicPr>
-            <a:picLocks noChangeAspect="1"/>
-          </p:cNvPicPr>
-          <p:nvPr/>
-        </p:nvPicPr>
-        <p:blipFill>
-          <a:blip r:embed="rId2"/>
-          <a:stretch>
-            <a:fillRect/>
-          </a:stretch>
-        </p:blipFill>
-        <p:spPr>
-          <a:xfrm>
-            <a:off x="0" y="1343432"/>
-            <a:ext cx="9822858" cy="5514568"/>
-          </a:xfrm>
-          <a:prstGeom prst="rect">
-            <a:avLst/>
-          </a:prstGeom>
-        </p:spPr>
-      </p:pic>
-    </p:spTree>
-    <p:extLst>
-      <p:ext uri="{BB962C8B-B14F-4D97-AF65-F5344CB8AC3E}">
-        <p14:creationId xmlns:p14="http://schemas.microsoft.com/office/powerpoint/2010/main" val="450757560"/>
-      </p:ext>
-    </p:extLst>
-  </p:cSld>
-  <p:clrMapOvr>
-    <a:masterClrMapping/>
-  </p:clrMapOvr>
-</p:sld>
-</file>
-
 <file path=ppt/slides/slide2.xml><?xml version="1.0" encoding="utf-8"?>
 <p:sld xmlns:a="http://schemas.openxmlformats.org/drawingml/2006/main" xmlns:r="http://schemas.openxmlformats.org/officeDocument/2006/relationships" xmlns:p="http://schemas.openxmlformats.org/presentationml/2006/main">
   <p:cSld>
@@ -4512,8 +4220,8 @@
         </p:nvSpPr>
         <p:spPr>
           <a:xfrm>
-            <a:off x="1779056" y="3114498"/>
-            <a:ext cx="11029616" cy="629004"/>
+            <a:off x="5760330" y="3037938"/>
+            <a:ext cx="1047301" cy="629004"/>
           </a:xfrm>
         </p:spPr>
         <p:txBody>
@@ -4522,7 +4230,7 @@
           <a:p>
             <a:r>
               <a:rPr lang="en-US" dirty="0"/>
-              <a:t>Implementing asp.net core identity from scratch</a:t>
+              <a:t>PS_3</a:t>
             </a:r>
           </a:p>
         </p:txBody>
@@ -4562,7 +4270,7 @@
           <p:cNvPr id="2" name="Title 1">
             <a:extLst>
               <a:ext uri="{FF2B5EF4-FFF2-40B4-BE49-F238E27FC236}">
-                <a16:creationId xmlns:a16="http://schemas.microsoft.com/office/drawing/2014/main" id="{CCAF8CA1-0D6E-418E-8E05-D97CBC6A5B36}"/>
+                <a16:creationId xmlns:a16="http://schemas.microsoft.com/office/drawing/2014/main" id="{A05F5CBA-952C-CA36-5BE0-0415E451E457}"/>
               </a:ext>
             </a:extLst>
           </p:cNvPr>
@@ -4573,674 +4281,44 @@
             <p:ph type="title"/>
           </p:nvPr>
         </p:nvSpPr>
-        <p:spPr>
-          <a:xfrm>
-            <a:off x="581192" y="702156"/>
-            <a:ext cx="11029616" cy="631344"/>
-          </a:xfrm>
-        </p:spPr>
+        <p:spPr/>
         <p:txBody>
           <a:bodyPr/>
           <a:lstStyle/>
           <a:p>
-            <a:r>
-              <a:rPr lang="en-US" dirty="0" err="1"/>
-              <a:t>ASP.Net</a:t>
-            </a:r>
-            <a:r>
-              <a:rPr lang="en-US" dirty="0"/>
-              <a:t> Core IDENTITY - 1</a:t>
-            </a:r>
-          </a:p>
-        </p:txBody>
-      </p:sp>
-      <p:pic>
-        <p:nvPicPr>
-          <p:cNvPr id="5" name="Picture 4">
+            <a:endParaRPr lang="en-US"/>
+          </a:p>
+        </p:txBody>
+      </p:sp>
+      <p:sp>
+        <p:nvSpPr>
+          <p:cNvPr id="3" name="Content Placeholder 2">
             <a:extLst>
               <a:ext uri="{FF2B5EF4-FFF2-40B4-BE49-F238E27FC236}">
-                <a16:creationId xmlns:a16="http://schemas.microsoft.com/office/drawing/2014/main" id="{996483D5-D377-4EFA-ABC4-1CD3DBBE79E5}"/>
+                <a16:creationId xmlns:a16="http://schemas.microsoft.com/office/drawing/2014/main" id="{A65AE5A7-4FD9-4E00-8C97-80331696F107}"/>
               </a:ext>
             </a:extLst>
           </p:cNvPr>
-          <p:cNvPicPr>
-            <a:picLocks noChangeAspect="1"/>
-          </p:cNvPicPr>
-          <p:nvPr/>
-        </p:nvPicPr>
-        <p:blipFill>
-          <a:blip r:embed="rId2"/>
-          <a:stretch>
-            <a:fillRect/>
-          </a:stretch>
-        </p:blipFill>
-        <p:spPr>
-          <a:xfrm>
-            <a:off x="183849" y="1369433"/>
-            <a:ext cx="8738744" cy="5453898"/>
-          </a:xfrm>
-          <a:prstGeom prst="rect">
-            <a:avLst/>
-          </a:prstGeom>
-        </p:spPr>
-      </p:pic>
+          <p:cNvSpPr>
+            <a:spLocks noGrp="1"/>
+          </p:cNvSpPr>
+          <p:nvPr>
+            <p:ph idx="1"/>
+          </p:nvPr>
+        </p:nvSpPr>
+        <p:spPr/>
+        <p:txBody>
+          <a:bodyPr/>
+          <a:lstStyle/>
+          <a:p>
+            <a:endParaRPr lang="en-US"/>
+          </a:p>
+        </p:txBody>
+      </p:sp>
     </p:spTree>
     <p:extLst>
       <p:ext uri="{BB962C8B-B14F-4D97-AF65-F5344CB8AC3E}">
-        <p14:creationId xmlns:p14="http://schemas.microsoft.com/office/powerpoint/2010/main" val="1570137169"/>
-      </p:ext>
-    </p:extLst>
-  </p:cSld>
-  <p:clrMapOvr>
-    <a:masterClrMapping/>
-  </p:clrMapOvr>
-</p:sld>
-</file>
-
-<file path=ppt/slides/slide4.xml><?xml version="1.0" encoding="utf-8"?>
-<p:sld xmlns:a="http://schemas.openxmlformats.org/drawingml/2006/main" xmlns:r="http://schemas.openxmlformats.org/officeDocument/2006/relationships" xmlns:p="http://schemas.openxmlformats.org/presentationml/2006/main">
-  <p:cSld>
-    <p:spTree>
-      <p:nvGrpSpPr>
-        <p:cNvPr id="1" name=""/>
-        <p:cNvGrpSpPr/>
-        <p:nvPr/>
-      </p:nvGrpSpPr>
-      <p:grpSpPr>
-        <a:xfrm>
-          <a:off x="0" y="0"/>
-          <a:ext cx="0" cy="0"/>
-          <a:chOff x="0" y="0"/>
-          <a:chExt cx="0" cy="0"/>
-        </a:xfrm>
-      </p:grpSpPr>
-      <p:sp>
-        <p:nvSpPr>
-          <p:cNvPr id="2" name="Title 1">
-            <a:extLst>
-              <a:ext uri="{FF2B5EF4-FFF2-40B4-BE49-F238E27FC236}">
-                <a16:creationId xmlns:a16="http://schemas.microsoft.com/office/drawing/2014/main" id="{4AEE4187-F245-4ECB-BEEE-AE8A160110CC}"/>
-              </a:ext>
-            </a:extLst>
-          </p:cNvPr>
-          <p:cNvSpPr>
-            <a:spLocks noGrp="1"/>
-          </p:cNvSpPr>
-          <p:nvPr>
-            <p:ph type="title"/>
-          </p:nvPr>
-        </p:nvSpPr>
-        <p:spPr>
-          <a:xfrm>
-            <a:off x="581192" y="702156"/>
-            <a:ext cx="11029616" cy="640869"/>
-          </a:xfrm>
-        </p:spPr>
-        <p:txBody>
-          <a:bodyPr/>
-          <a:lstStyle/>
-          <a:p>
-            <a:r>
-              <a:rPr lang="en-US" dirty="0" err="1"/>
-              <a:t>ASP.Net</a:t>
-            </a:r>
-            <a:r>
-              <a:rPr lang="en-US" dirty="0"/>
-              <a:t> Core IDENTITY - 2</a:t>
-            </a:r>
-          </a:p>
-        </p:txBody>
-      </p:sp>
-      <p:pic>
-        <p:nvPicPr>
-          <p:cNvPr id="5" name="Picture 4">
-            <a:extLst>
-              <a:ext uri="{FF2B5EF4-FFF2-40B4-BE49-F238E27FC236}">
-                <a16:creationId xmlns:a16="http://schemas.microsoft.com/office/drawing/2014/main" id="{049F1531-202A-49FA-8542-74BCAB08AED5}"/>
-              </a:ext>
-            </a:extLst>
-          </p:cNvPr>
-          <p:cNvPicPr>
-            <a:picLocks noChangeAspect="1"/>
-          </p:cNvPicPr>
-          <p:nvPr/>
-        </p:nvPicPr>
-        <p:blipFill>
-          <a:blip r:embed="rId2"/>
-          <a:stretch>
-            <a:fillRect/>
-          </a:stretch>
-        </p:blipFill>
-        <p:spPr>
-          <a:xfrm>
-            <a:off x="35133" y="1386768"/>
-            <a:ext cx="8541623" cy="5444110"/>
-          </a:xfrm>
-          <a:prstGeom prst="rect">
-            <a:avLst/>
-          </a:prstGeom>
-        </p:spPr>
-      </p:pic>
-    </p:spTree>
-    <p:extLst>
-      <p:ext uri="{BB962C8B-B14F-4D97-AF65-F5344CB8AC3E}">
-        <p14:creationId xmlns:p14="http://schemas.microsoft.com/office/powerpoint/2010/main" val="2345271508"/>
-      </p:ext>
-    </p:extLst>
-  </p:cSld>
-  <p:clrMapOvr>
-    <a:masterClrMapping/>
-  </p:clrMapOvr>
-</p:sld>
-</file>
-
-<file path=ppt/slides/slide5.xml><?xml version="1.0" encoding="utf-8"?>
-<p:sld xmlns:a="http://schemas.openxmlformats.org/drawingml/2006/main" xmlns:r="http://schemas.openxmlformats.org/officeDocument/2006/relationships" xmlns:p="http://schemas.openxmlformats.org/presentationml/2006/main">
-  <p:cSld>
-    <p:spTree>
-      <p:nvGrpSpPr>
-        <p:cNvPr id="1" name=""/>
-        <p:cNvGrpSpPr/>
-        <p:nvPr/>
-      </p:nvGrpSpPr>
-      <p:grpSpPr>
-        <a:xfrm>
-          <a:off x="0" y="0"/>
-          <a:ext cx="0" cy="0"/>
-          <a:chOff x="0" y="0"/>
-          <a:chExt cx="0" cy="0"/>
-        </a:xfrm>
-      </p:grpSpPr>
-      <p:sp>
-        <p:nvSpPr>
-          <p:cNvPr id="2" name="Title 1">
-            <a:extLst>
-              <a:ext uri="{FF2B5EF4-FFF2-40B4-BE49-F238E27FC236}">
-                <a16:creationId xmlns:a16="http://schemas.microsoft.com/office/drawing/2014/main" id="{62DFF9A3-40F5-4165-B059-BC39DE600C16}"/>
-              </a:ext>
-            </a:extLst>
-          </p:cNvPr>
-          <p:cNvSpPr>
-            <a:spLocks noGrp="1"/>
-          </p:cNvSpPr>
-          <p:nvPr>
-            <p:ph type="title"/>
-          </p:nvPr>
-        </p:nvSpPr>
-        <p:spPr>
-          <a:xfrm>
-            <a:off x="581192" y="702156"/>
-            <a:ext cx="11029616" cy="678969"/>
-          </a:xfrm>
-        </p:spPr>
-        <p:txBody>
-          <a:bodyPr/>
-          <a:lstStyle/>
-          <a:p>
-            <a:r>
-              <a:rPr lang="en-US" dirty="0" err="1"/>
-              <a:t>ASP.Net</a:t>
-            </a:r>
-            <a:r>
-              <a:rPr lang="en-US" dirty="0"/>
-              <a:t> Core IDENTITY - 3</a:t>
-            </a:r>
-          </a:p>
-        </p:txBody>
-      </p:sp>
-      <p:pic>
-        <p:nvPicPr>
-          <p:cNvPr id="5" name="Picture 4">
-            <a:extLst>
-              <a:ext uri="{FF2B5EF4-FFF2-40B4-BE49-F238E27FC236}">
-                <a16:creationId xmlns:a16="http://schemas.microsoft.com/office/drawing/2014/main" id="{A4EB802E-22AE-4453-B928-E723CADA1120}"/>
-              </a:ext>
-            </a:extLst>
-          </p:cNvPr>
-          <p:cNvPicPr>
-            <a:picLocks noChangeAspect="1"/>
-          </p:cNvPicPr>
-          <p:nvPr/>
-        </p:nvPicPr>
-        <p:blipFill>
-          <a:blip r:embed="rId2"/>
-          <a:stretch>
-            <a:fillRect/>
-          </a:stretch>
-        </p:blipFill>
-        <p:spPr>
-          <a:xfrm>
-            <a:off x="0" y="1443104"/>
-            <a:ext cx="8594373" cy="5414895"/>
-          </a:xfrm>
-          <a:prstGeom prst="rect">
-            <a:avLst/>
-          </a:prstGeom>
-        </p:spPr>
-      </p:pic>
-    </p:spTree>
-    <p:extLst>
-      <p:ext uri="{BB962C8B-B14F-4D97-AF65-F5344CB8AC3E}">
-        <p14:creationId xmlns:p14="http://schemas.microsoft.com/office/powerpoint/2010/main" val="365967133"/>
-      </p:ext>
-    </p:extLst>
-  </p:cSld>
-  <p:clrMapOvr>
-    <a:masterClrMapping/>
-  </p:clrMapOvr>
-</p:sld>
-</file>
-
-<file path=ppt/slides/slide6.xml><?xml version="1.0" encoding="utf-8"?>
-<p:sld xmlns:a="http://schemas.openxmlformats.org/drawingml/2006/main" xmlns:r="http://schemas.openxmlformats.org/officeDocument/2006/relationships" xmlns:p="http://schemas.openxmlformats.org/presentationml/2006/main">
-  <p:cSld>
-    <p:spTree>
-      <p:nvGrpSpPr>
-        <p:cNvPr id="1" name=""/>
-        <p:cNvGrpSpPr/>
-        <p:nvPr/>
-      </p:nvGrpSpPr>
-      <p:grpSpPr>
-        <a:xfrm>
-          <a:off x="0" y="0"/>
-          <a:ext cx="0" cy="0"/>
-          <a:chOff x="0" y="0"/>
-          <a:chExt cx="0" cy="0"/>
-        </a:xfrm>
-      </p:grpSpPr>
-      <p:sp>
-        <p:nvSpPr>
-          <p:cNvPr id="2" name="Title 1">
-            <a:extLst>
-              <a:ext uri="{FF2B5EF4-FFF2-40B4-BE49-F238E27FC236}">
-                <a16:creationId xmlns:a16="http://schemas.microsoft.com/office/drawing/2014/main" id="{62DFF9A3-40F5-4165-B059-BC39DE600C16}"/>
-              </a:ext>
-            </a:extLst>
-          </p:cNvPr>
-          <p:cNvSpPr>
-            <a:spLocks noGrp="1"/>
-          </p:cNvSpPr>
-          <p:nvPr>
-            <p:ph type="title"/>
-          </p:nvPr>
-        </p:nvSpPr>
-        <p:spPr>
-          <a:xfrm>
-            <a:off x="581192" y="702156"/>
-            <a:ext cx="11029616" cy="678969"/>
-          </a:xfrm>
-        </p:spPr>
-        <p:txBody>
-          <a:bodyPr/>
-          <a:lstStyle/>
-          <a:p>
-            <a:r>
-              <a:rPr lang="en-US" dirty="0" err="1"/>
-              <a:t>ASP.Net</a:t>
-            </a:r>
-            <a:r>
-              <a:rPr lang="en-US" dirty="0"/>
-              <a:t> Core IDENTITY - 4</a:t>
-            </a:r>
-          </a:p>
-        </p:txBody>
-      </p:sp>
-      <p:pic>
-        <p:nvPicPr>
-          <p:cNvPr id="4" name="Picture 3">
-            <a:extLst>
-              <a:ext uri="{FF2B5EF4-FFF2-40B4-BE49-F238E27FC236}">
-                <a16:creationId xmlns:a16="http://schemas.microsoft.com/office/drawing/2014/main" id="{4E6D7FE4-58EB-4F22-AFF0-91D5C1BD00F8}"/>
-              </a:ext>
-            </a:extLst>
-          </p:cNvPr>
-          <p:cNvPicPr>
-            <a:picLocks noChangeAspect="1"/>
-          </p:cNvPicPr>
-          <p:nvPr/>
-        </p:nvPicPr>
-        <p:blipFill>
-          <a:blip r:embed="rId2"/>
-          <a:stretch>
-            <a:fillRect/>
-          </a:stretch>
-        </p:blipFill>
-        <p:spPr>
-          <a:xfrm>
-            <a:off x="105338" y="1381125"/>
-            <a:ext cx="4943475" cy="4772025"/>
-          </a:xfrm>
-          <a:prstGeom prst="rect">
-            <a:avLst/>
-          </a:prstGeom>
-        </p:spPr>
-      </p:pic>
-      <p:sp>
-        <p:nvSpPr>
-          <p:cNvPr id="6" name="TextBox 5">
-            <a:extLst>
-              <a:ext uri="{FF2B5EF4-FFF2-40B4-BE49-F238E27FC236}">
-                <a16:creationId xmlns:a16="http://schemas.microsoft.com/office/drawing/2014/main" id="{2C2D23C8-F7C9-40CC-9E93-738B92F10669}"/>
-              </a:ext>
-            </a:extLst>
-          </p:cNvPr>
-          <p:cNvSpPr txBox="1"/>
-          <p:nvPr/>
-        </p:nvSpPr>
-        <p:spPr>
-          <a:xfrm>
-            <a:off x="5412728" y="1486442"/>
-            <a:ext cx="3477234" cy="1754326"/>
-          </a:xfrm>
-          <a:prstGeom prst="rect">
-            <a:avLst/>
-          </a:prstGeom>
-          <a:noFill/>
-        </p:spPr>
-        <p:txBody>
-          <a:bodyPr wrap="none" rtlCol="0">
-            <a:spAutoFit/>
-          </a:bodyPr>
-          <a:lstStyle/>
-          <a:p>
-            <a:r>
-              <a:rPr lang="en-US" dirty="0"/>
-              <a:t>For demo :</a:t>
-            </a:r>
-          </a:p>
-          <a:p>
-            <a:r>
-              <a:rPr lang="en-US" dirty="0" err="1"/>
-              <a:t>Microsoft.AspNetCore</a:t>
-            </a:r>
-            <a:endParaRPr lang="en-US" dirty="0"/>
-          </a:p>
-          <a:p>
-            <a:r>
-              <a:rPr lang="en-US" dirty="0" err="1"/>
-              <a:t>Microsoft.AspNetCore.Mvc</a:t>
-            </a:r>
-            <a:endParaRPr lang="en-US" dirty="0"/>
-          </a:p>
-          <a:p>
-            <a:r>
-              <a:rPr lang="en-US" dirty="0" err="1"/>
-              <a:t>Microsoft.AspNetCore.StaticFiles</a:t>
-            </a:r>
-            <a:endParaRPr lang="en-US" dirty="0"/>
-          </a:p>
-          <a:p>
-            <a:endParaRPr lang="en-US" dirty="0"/>
-          </a:p>
-          <a:p>
-            <a:r>
-              <a:rPr lang="en-US" dirty="0" err="1"/>
-              <a:t>Microsoft.Extensions.Identity.Core</a:t>
-            </a:r>
-            <a:endParaRPr lang="en-US" dirty="0"/>
-          </a:p>
-        </p:txBody>
-      </p:sp>
-    </p:spTree>
-    <p:extLst>
-      <p:ext uri="{BB962C8B-B14F-4D97-AF65-F5344CB8AC3E}">
-        <p14:creationId xmlns:p14="http://schemas.microsoft.com/office/powerpoint/2010/main" val="1532443868"/>
-      </p:ext>
-    </p:extLst>
-  </p:cSld>
-  <p:clrMapOvr>
-    <a:masterClrMapping/>
-  </p:clrMapOvr>
-</p:sld>
-</file>
-
-<file path=ppt/slides/slide7.xml><?xml version="1.0" encoding="utf-8"?>
-<p:sld xmlns:a="http://schemas.openxmlformats.org/drawingml/2006/main" xmlns:r="http://schemas.openxmlformats.org/officeDocument/2006/relationships" xmlns:p="http://schemas.openxmlformats.org/presentationml/2006/main">
-  <p:cSld>
-    <p:spTree>
-      <p:nvGrpSpPr>
-        <p:cNvPr id="1" name=""/>
-        <p:cNvGrpSpPr/>
-        <p:nvPr/>
-      </p:nvGrpSpPr>
-      <p:grpSpPr>
-        <a:xfrm>
-          <a:off x="0" y="0"/>
-          <a:ext cx="0" cy="0"/>
-          <a:chOff x="0" y="0"/>
-          <a:chExt cx="0" cy="0"/>
-        </a:xfrm>
-      </p:grpSpPr>
-      <p:sp>
-        <p:nvSpPr>
-          <p:cNvPr id="2" name="Title 1">
-            <a:extLst>
-              <a:ext uri="{FF2B5EF4-FFF2-40B4-BE49-F238E27FC236}">
-                <a16:creationId xmlns:a16="http://schemas.microsoft.com/office/drawing/2014/main" id="{62DFF9A3-40F5-4165-B059-BC39DE600C16}"/>
-              </a:ext>
-            </a:extLst>
-          </p:cNvPr>
-          <p:cNvSpPr>
-            <a:spLocks noGrp="1"/>
-          </p:cNvSpPr>
-          <p:nvPr>
-            <p:ph type="title"/>
-          </p:nvPr>
-        </p:nvSpPr>
-        <p:spPr>
-          <a:xfrm>
-            <a:off x="581192" y="702156"/>
-            <a:ext cx="11029616" cy="678969"/>
-          </a:xfrm>
-        </p:spPr>
-        <p:txBody>
-          <a:bodyPr/>
-          <a:lstStyle/>
-          <a:p>
-            <a:r>
-              <a:rPr lang="en-US" dirty="0" err="1"/>
-              <a:t>ASP.Net</a:t>
-            </a:r>
-            <a:r>
-              <a:rPr lang="en-US" dirty="0"/>
-              <a:t> Core IDENTITY - 5</a:t>
-            </a:r>
-          </a:p>
-        </p:txBody>
-      </p:sp>
-      <p:pic>
-        <p:nvPicPr>
-          <p:cNvPr id="5" name="Picture 4">
-            <a:extLst>
-              <a:ext uri="{FF2B5EF4-FFF2-40B4-BE49-F238E27FC236}">
-                <a16:creationId xmlns:a16="http://schemas.microsoft.com/office/drawing/2014/main" id="{F1C2CD8D-D8FC-40ED-B83F-5FC192610C8F}"/>
-              </a:ext>
-            </a:extLst>
-          </p:cNvPr>
-          <p:cNvPicPr>
-            <a:picLocks noChangeAspect="1"/>
-          </p:cNvPicPr>
-          <p:nvPr/>
-        </p:nvPicPr>
-        <p:blipFill>
-          <a:blip r:embed="rId2"/>
-          <a:stretch>
-            <a:fillRect/>
-          </a:stretch>
-        </p:blipFill>
-        <p:spPr>
-          <a:xfrm>
-            <a:off x="36711" y="1381125"/>
-            <a:ext cx="7923605" cy="5217714"/>
-          </a:xfrm>
-          <a:prstGeom prst="rect">
-            <a:avLst/>
-          </a:prstGeom>
-        </p:spPr>
-      </p:pic>
-    </p:spTree>
-    <p:extLst>
-      <p:ext uri="{BB962C8B-B14F-4D97-AF65-F5344CB8AC3E}">
-        <p14:creationId xmlns:p14="http://schemas.microsoft.com/office/powerpoint/2010/main" val="3692913109"/>
-      </p:ext>
-    </p:extLst>
-  </p:cSld>
-  <p:clrMapOvr>
-    <a:masterClrMapping/>
-  </p:clrMapOvr>
-</p:sld>
-</file>
-
-<file path=ppt/slides/slide8.xml><?xml version="1.0" encoding="utf-8"?>
-<p:sld xmlns:a="http://schemas.openxmlformats.org/drawingml/2006/main" xmlns:r="http://schemas.openxmlformats.org/officeDocument/2006/relationships" xmlns:p="http://schemas.openxmlformats.org/presentationml/2006/main">
-  <p:cSld>
-    <p:spTree>
-      <p:nvGrpSpPr>
-        <p:cNvPr id="1" name=""/>
-        <p:cNvGrpSpPr/>
-        <p:nvPr/>
-      </p:nvGrpSpPr>
-      <p:grpSpPr>
-        <a:xfrm>
-          <a:off x="0" y="0"/>
-          <a:ext cx="0" cy="0"/>
-          <a:chOff x="0" y="0"/>
-          <a:chExt cx="0" cy="0"/>
-        </a:xfrm>
-      </p:grpSpPr>
-      <p:sp>
-        <p:nvSpPr>
-          <p:cNvPr id="2" name="Title 1">
-            <a:extLst>
-              <a:ext uri="{FF2B5EF4-FFF2-40B4-BE49-F238E27FC236}">
-                <a16:creationId xmlns:a16="http://schemas.microsoft.com/office/drawing/2014/main" id="{EB1585CD-5FAD-4175-AE83-96F8FFB0E9A6}"/>
-              </a:ext>
-            </a:extLst>
-          </p:cNvPr>
-          <p:cNvSpPr>
-            <a:spLocks noGrp="1"/>
-          </p:cNvSpPr>
-          <p:nvPr>
-            <p:ph type="title"/>
-          </p:nvPr>
-        </p:nvSpPr>
-        <p:spPr>
-          <a:xfrm>
-            <a:off x="581192" y="702156"/>
-            <a:ext cx="11029616" cy="450595"/>
-          </a:xfrm>
-        </p:spPr>
-        <p:txBody>
-          <a:bodyPr>
-            <a:normAutofit fontScale="90000"/>
-          </a:bodyPr>
-          <a:lstStyle/>
-          <a:p>
-            <a:r>
-              <a:rPr lang="en-US" dirty="0" err="1"/>
-              <a:t>DemoUser</a:t>
-            </a:r>
-            <a:endParaRPr lang="en-US" dirty="0"/>
-          </a:p>
-        </p:txBody>
-      </p:sp>
-      <p:pic>
-        <p:nvPicPr>
-          <p:cNvPr id="7" name="Picture 6">
-            <a:extLst>
-              <a:ext uri="{FF2B5EF4-FFF2-40B4-BE49-F238E27FC236}">
-                <a16:creationId xmlns:a16="http://schemas.microsoft.com/office/drawing/2014/main" id="{CBDC5BE5-6E4A-4EE3-89C1-DE4ED0CEB8F9}"/>
-              </a:ext>
-            </a:extLst>
-          </p:cNvPr>
-          <p:cNvPicPr>
-            <a:picLocks noChangeAspect="1"/>
-          </p:cNvPicPr>
-          <p:nvPr/>
-        </p:nvPicPr>
-        <p:blipFill>
-          <a:blip r:embed="rId2"/>
-          <a:stretch>
-            <a:fillRect/>
-          </a:stretch>
-        </p:blipFill>
-        <p:spPr>
-          <a:xfrm>
-            <a:off x="0" y="1249925"/>
-            <a:ext cx="12192000" cy="4193469"/>
-          </a:xfrm>
-          <a:prstGeom prst="rect">
-            <a:avLst/>
-          </a:prstGeom>
-        </p:spPr>
-      </p:pic>
-    </p:spTree>
-    <p:extLst>
-      <p:ext uri="{BB962C8B-B14F-4D97-AF65-F5344CB8AC3E}">
-        <p14:creationId xmlns:p14="http://schemas.microsoft.com/office/powerpoint/2010/main" val="3766685228"/>
-      </p:ext>
-    </p:extLst>
-  </p:cSld>
-  <p:clrMapOvr>
-    <a:masterClrMapping/>
-  </p:clrMapOvr>
-</p:sld>
-</file>
-
-<file path=ppt/slides/slide9.xml><?xml version="1.0" encoding="utf-8"?>
-<p:sld xmlns:a="http://schemas.openxmlformats.org/drawingml/2006/main" xmlns:r="http://schemas.openxmlformats.org/officeDocument/2006/relationships" xmlns:p="http://schemas.openxmlformats.org/presentationml/2006/main">
-  <p:cSld>
-    <p:spTree>
-      <p:nvGrpSpPr>
-        <p:cNvPr id="1" name=""/>
-        <p:cNvGrpSpPr/>
-        <p:nvPr/>
-      </p:nvGrpSpPr>
-      <p:grpSpPr>
-        <a:xfrm>
-          <a:off x="0" y="0"/>
-          <a:ext cx="0" cy="0"/>
-          <a:chOff x="0" y="0"/>
-          <a:chExt cx="0" cy="0"/>
-        </a:xfrm>
-      </p:grpSpPr>
-      <p:sp>
-        <p:nvSpPr>
-          <p:cNvPr id="2" name="Title 1">
-            <a:extLst>
-              <a:ext uri="{FF2B5EF4-FFF2-40B4-BE49-F238E27FC236}">
-                <a16:creationId xmlns:a16="http://schemas.microsoft.com/office/drawing/2014/main" id="{F1D45695-0E86-4F0A-82DD-2E5F7ECDCFEA}"/>
-              </a:ext>
-            </a:extLst>
-          </p:cNvPr>
-          <p:cNvSpPr>
-            <a:spLocks noGrp="1"/>
-          </p:cNvSpPr>
-          <p:nvPr>
-            <p:ph type="title"/>
-          </p:nvPr>
-        </p:nvSpPr>
-        <p:spPr>
-          <a:xfrm>
-            <a:off x="4633999" y="3041541"/>
-            <a:ext cx="1673811" cy="550273"/>
-          </a:xfrm>
-        </p:spPr>
-        <p:txBody>
-          <a:bodyPr/>
-          <a:lstStyle/>
-          <a:p>
-            <a:r>
-              <a:rPr lang="en-US" dirty="0"/>
-              <a:t>IDENTITY</a:t>
-            </a:r>
-          </a:p>
-        </p:txBody>
-      </p:sp>
-    </p:spTree>
-    <p:extLst>
-      <p:ext uri="{BB962C8B-B14F-4D97-AF65-F5344CB8AC3E}">
-        <p14:creationId xmlns:p14="http://schemas.microsoft.com/office/powerpoint/2010/main" val="4184028371"/>
+        <p14:creationId xmlns:p14="http://schemas.microsoft.com/office/powerpoint/2010/main" val="1765558657"/>
       </p:ext>
     </p:extLst>
   </p:cSld>
@@ -5520,21 +4598,21 @@
 </file>
 
 <file path=customXml/item1.xml><?xml version="1.0" encoding="utf-8"?>
+<p:properties xmlns:p="http://schemas.microsoft.com/office/2006/metadata/properties" xmlns:xsi="http://www.w3.org/2001/XMLSchema-instance" xmlns:pc="http://schemas.microsoft.com/office/infopath/2007/PartnerControls">
+  <documentManagement>
+    <Status xmlns="71af3243-3dd4-4a8d-8c0d-dd76da1f02a5">Not started</Status>
+    <MediaServiceKeyPoints xmlns="71af3243-3dd4-4a8d-8c0d-dd76da1f02a5" xsi:nil="true"/>
+  </documentManagement>
+</p:properties>
+</file>
+
+<file path=customXml/item2.xml><?xml version="1.0" encoding="utf-8"?>
 <?mso-contentType ?>
 <FormTemplates xmlns="http://schemas.microsoft.com/sharepoint/v3/contenttype/forms">
   <Display>DocumentLibraryForm</Display>
   <Edit>DocumentLibraryForm</Edit>
   <New>DocumentLibraryForm</New>
 </FormTemplates>
-</file>
-
-<file path=customXml/item2.xml><?xml version="1.0" encoding="utf-8"?>
-<p:properties xmlns:p="http://schemas.microsoft.com/office/2006/metadata/properties" xmlns:xsi="http://www.w3.org/2001/XMLSchema-instance" xmlns:pc="http://schemas.microsoft.com/office/infopath/2007/PartnerControls">
-  <documentManagement>
-    <Status xmlns="71af3243-3dd4-4a8d-8c0d-dd76da1f02a5">Not started</Status>
-    <MediaServiceKeyPoints xmlns="71af3243-3dd4-4a8d-8c0d-dd76da1f02a5" xsi:nil="true"/>
-  </documentManagement>
-</p:properties>
 </file>
 
 <file path=customXml/item3.xml><?xml version="1.0" encoding="utf-8"?>
@@ -5759,19 +4837,19 @@
 </file>
 
 <file path=customXml/itemProps1.xml><?xml version="1.0" encoding="utf-8"?>
-<ds:datastoreItem xmlns:ds="http://schemas.openxmlformats.org/officeDocument/2006/customXml" ds:itemID="{927BD4C1-B6B1-4715-ABF9-E660A51A4EA0}">
+<ds:datastoreItem xmlns:ds="http://schemas.openxmlformats.org/officeDocument/2006/customXml" ds:itemID="{8D289AE2-D2AE-49D1-AFAC-3A79F6794255}">
   <ds:schemaRefs>
-    <ds:schemaRef ds:uri="http://schemas.microsoft.com/sharepoint/v3/contenttype/forms"/>
+    <ds:schemaRef ds:uri="http://schemas.microsoft.com/office/2006/metadata/properties"/>
+    <ds:schemaRef ds:uri="http://schemas.microsoft.com/office/infopath/2007/PartnerControls"/>
+    <ds:schemaRef ds:uri="71af3243-3dd4-4a8d-8c0d-dd76da1f02a5"/>
   </ds:schemaRefs>
 </ds:datastoreItem>
 </file>
 
 <file path=customXml/itemProps2.xml><?xml version="1.0" encoding="utf-8"?>
-<ds:datastoreItem xmlns:ds="http://schemas.openxmlformats.org/officeDocument/2006/customXml" ds:itemID="{8D289AE2-D2AE-49D1-AFAC-3A79F6794255}">
+<ds:datastoreItem xmlns:ds="http://schemas.openxmlformats.org/officeDocument/2006/customXml" ds:itemID="{927BD4C1-B6B1-4715-ABF9-E660A51A4EA0}">
   <ds:schemaRefs>
-    <ds:schemaRef ds:uri="http://schemas.microsoft.com/office/2006/metadata/properties"/>
-    <ds:schemaRef ds:uri="http://schemas.microsoft.com/office/infopath/2007/PartnerControls"/>
-    <ds:schemaRef ds:uri="71af3243-3dd4-4a8d-8c0d-dd76da1f02a5"/>
+    <ds:schemaRef ds:uri="http://schemas.microsoft.com/sharepoint/v3/contenttype/forms"/>
   </ds:schemaRefs>
 </ds:datastoreItem>
 </file>
